--- a/Project2_Presentation.pptx
+++ b/Project2_Presentation.pptx
@@ -24316,7 +24316,7 @@
           <a:noFill/>
           <a:ln cap="flat" cmpd="sng" w="38100">
             <a:solidFill>
-              <a:srgbClr val="0000FF"/>
+              <a:srgbClr val="38761D"/>
             </a:solidFill>
             <a:prstDash val="solid"/>
             <a:round/>
@@ -24363,7 +24363,7 @@
           <a:noFill/>
           <a:ln cap="flat" cmpd="sng" w="38100">
             <a:solidFill>
-              <a:srgbClr val="0000FF"/>
+              <a:srgbClr val="38761D"/>
             </a:solidFill>
             <a:prstDash val="solid"/>
             <a:round/>
@@ -24410,7 +24410,7 @@
           <a:noFill/>
           <a:ln cap="flat" cmpd="sng" w="38100">
             <a:solidFill>
-              <a:srgbClr val="0000FF"/>
+              <a:srgbClr val="38761D"/>
             </a:solidFill>
             <a:prstDash val="solid"/>
             <a:round/>
@@ -24457,7 +24457,7 @@
           <a:noFill/>
           <a:ln cap="flat" cmpd="sng" w="38100">
             <a:solidFill>
-              <a:srgbClr val="0000FF"/>
+              <a:srgbClr val="38761D"/>
             </a:solidFill>
             <a:prstDash val="solid"/>
             <a:round/>
@@ -24504,7 +24504,7 @@
           <a:noFill/>
           <a:ln cap="flat" cmpd="sng" w="38100">
             <a:solidFill>
-              <a:srgbClr val="0000FF"/>
+              <a:srgbClr val="38761D"/>
             </a:solidFill>
             <a:prstDash val="solid"/>
             <a:round/>
@@ -24551,7 +24551,7 @@
           <a:noFill/>
           <a:ln cap="flat" cmpd="sng" w="38100">
             <a:solidFill>
-              <a:srgbClr val="0000FF"/>
+              <a:srgbClr val="38761D"/>
             </a:solidFill>
             <a:prstDash val="solid"/>
             <a:round/>
@@ -24598,7 +24598,7 @@
           <a:noFill/>
           <a:ln cap="flat" cmpd="sng" w="38100">
             <a:solidFill>
-              <a:srgbClr val="0000FF"/>
+              <a:srgbClr val="38761D"/>
             </a:solidFill>
             <a:prstDash val="solid"/>
             <a:round/>
@@ -24645,7 +24645,7 @@
           <a:noFill/>
           <a:ln cap="flat" cmpd="sng" w="38100">
             <a:solidFill>
-              <a:srgbClr val="0000FF"/>
+              <a:srgbClr val="38761D"/>
             </a:solidFill>
             <a:prstDash val="solid"/>
             <a:round/>
@@ -24692,7 +24692,7 @@
           <a:noFill/>
           <a:ln cap="flat" cmpd="sng" w="38100">
             <a:solidFill>
-              <a:srgbClr val="0000FF"/>
+              <a:srgbClr val="38761D"/>
             </a:solidFill>
             <a:prstDash val="solid"/>
             <a:round/>
@@ -24739,7 +24739,7 @@
           <a:noFill/>
           <a:ln cap="flat" cmpd="sng" w="38100">
             <a:solidFill>
-              <a:srgbClr val="0000FF"/>
+              <a:srgbClr val="38761D"/>
             </a:solidFill>
             <a:prstDash val="solid"/>
             <a:round/>
@@ -24786,7 +24786,7 @@
           <a:noFill/>
           <a:ln cap="flat" cmpd="sng" w="38100">
             <a:solidFill>
-              <a:srgbClr val="0000FF"/>
+              <a:srgbClr val="38761D"/>
             </a:solidFill>
             <a:prstDash val="solid"/>
             <a:round/>
@@ -24833,7 +24833,7 @@
           <a:noFill/>
           <a:ln cap="flat" cmpd="sng" w="38100">
             <a:solidFill>
-              <a:srgbClr val="0000FF"/>
+              <a:srgbClr val="38761D"/>
             </a:solidFill>
             <a:prstDash val="solid"/>
             <a:round/>
@@ -25067,7 +25067,7 @@
           <a:noFill/>
           <a:ln cap="flat" cmpd="sng" w="38100">
             <a:solidFill>
-              <a:srgbClr val="0000FF"/>
+              <a:srgbClr val="38761D"/>
             </a:solidFill>
             <a:prstDash val="solid"/>
             <a:round/>
@@ -25114,7 +25114,7 @@
           <a:noFill/>
           <a:ln cap="flat" cmpd="sng" w="38100">
             <a:solidFill>
-              <a:srgbClr val="0000FF"/>
+              <a:srgbClr val="38761D"/>
             </a:solidFill>
             <a:prstDash val="solid"/>
             <a:round/>
@@ -25161,7 +25161,7 @@
           <a:noFill/>
           <a:ln cap="flat" cmpd="sng" w="38100">
             <a:solidFill>
-              <a:srgbClr val="0000FF"/>
+              <a:srgbClr val="38761D"/>
             </a:solidFill>
             <a:prstDash val="solid"/>
             <a:round/>
@@ -25208,7 +25208,7 @@
           <a:noFill/>
           <a:ln cap="flat" cmpd="sng" w="38100">
             <a:solidFill>
-              <a:srgbClr val="0000FF"/>
+              <a:srgbClr val="38761D"/>
             </a:solidFill>
             <a:prstDash val="solid"/>
             <a:round/>
@@ -25481,7 +25481,7 @@
         </p:nvSpPr>
         <p:spPr>
           <a:xfrm>
-            <a:off x="6115100" y="5240525"/>
+            <a:off x="6115100" y="5316725"/>
             <a:ext cx="183000" cy="183000"/>
           </a:xfrm>
           <a:prstGeom prst="ellipse">
@@ -25631,7 +25631,7 @@
           <a:noFill/>
           <a:ln cap="flat" cmpd="sng" w="38100">
             <a:solidFill>
-              <a:srgbClr val="0000FF"/>
+              <a:srgbClr val="38761D"/>
             </a:solidFill>
             <a:prstDash val="solid"/>
             <a:round/>
@@ -25678,7 +25678,7 @@
           <a:noFill/>
           <a:ln cap="flat" cmpd="sng" w="38100">
             <a:solidFill>
-              <a:srgbClr val="0000FF"/>
+              <a:srgbClr val="38761D"/>
             </a:solidFill>
             <a:prstDash val="solid"/>
             <a:round/>
@@ -25819,7 +25819,7 @@
           <a:noFill/>
           <a:ln cap="flat" cmpd="sng" w="38100">
             <a:solidFill>
-              <a:srgbClr val="0000FF"/>
+              <a:srgbClr val="38761D"/>
             </a:solidFill>
             <a:prstDash val="solid"/>
             <a:round/>
@@ -25866,7 +25866,7 @@
           <a:noFill/>
           <a:ln cap="flat" cmpd="sng" w="38100">
             <a:solidFill>
-              <a:srgbClr val="0000FF"/>
+              <a:srgbClr val="38761D"/>
             </a:solidFill>
             <a:prstDash val="solid"/>
             <a:round/>
@@ -27584,7 +27584,7 @@
                 <a:cs typeface="Calibri"/>
                 <a:sym typeface="Calibri"/>
               </a:rPr>
-              <a:t>Help Government planning to better neighborhoods that needs a little more TLC</a:t>
+              <a:t>Help Government and city planning to better neighborhoods that needs a little more TLC</a:t>
             </a:r>
             <a:endParaRPr sz="1800">
               <a:latin typeface="Calibri"/>
